--- a/POO/aulas/aula3/Aula_3.pptx
+++ b/POO/aulas/aula3/Aula_3.pptx
@@ -19,6 +19,7 @@
     <p:sldId id="270" r:id="rId13"/>
     <p:sldId id="271" r:id="rId14"/>
     <p:sldId id="272" r:id="rId15"/>
+    <p:sldId id="273" r:id="rId16"/>
   </p:sldIdLst>
   <p:sldSz cx="12192000" cy="6858000"/>
   <p:notesSz cx="6858000" cy="9144000"/>
@@ -272,7 +273,7 @@
           <a:p>
             <a:fld id="{844FB9E1-4EC7-AC49-AF29-CA6F74E5D15F}" type="datetimeFigureOut">
               <a:rPr lang="pt-BR" smtClean="0"/>
-              <a:t>24/02/2024</a:t>
+              <a:t>29/02/2024</a:t>
             </a:fld>
             <a:endParaRPr lang="pt-BR"/>
           </a:p>
@@ -470,7 +471,7 @@
           <a:p>
             <a:fld id="{844FB9E1-4EC7-AC49-AF29-CA6F74E5D15F}" type="datetimeFigureOut">
               <a:rPr lang="pt-BR" smtClean="0"/>
-              <a:t>24/02/2024</a:t>
+              <a:t>29/02/2024</a:t>
             </a:fld>
             <a:endParaRPr lang="pt-BR"/>
           </a:p>
@@ -678,7 +679,7 @@
           <a:p>
             <a:fld id="{844FB9E1-4EC7-AC49-AF29-CA6F74E5D15F}" type="datetimeFigureOut">
               <a:rPr lang="pt-BR" smtClean="0"/>
-              <a:t>24/02/2024</a:t>
+              <a:t>29/02/2024</a:t>
             </a:fld>
             <a:endParaRPr lang="pt-BR"/>
           </a:p>
@@ -881,7 +882,7 @@
           <a:p>
             <a:fld id="{844FB9E1-4EC7-AC49-AF29-CA6F74E5D15F}" type="datetimeFigureOut">
               <a:rPr lang="pt-BR" smtClean="0"/>
-              <a:t>24/02/2024</a:t>
+              <a:t>29/02/2024</a:t>
             </a:fld>
             <a:endParaRPr lang="pt-BR"/>
           </a:p>
@@ -1156,7 +1157,7 @@
           <a:p>
             <a:fld id="{844FB9E1-4EC7-AC49-AF29-CA6F74E5D15F}" type="datetimeFigureOut">
               <a:rPr lang="pt-BR" smtClean="0"/>
-              <a:t>24/02/2024</a:t>
+              <a:t>29/02/2024</a:t>
             </a:fld>
             <a:endParaRPr lang="pt-BR"/>
           </a:p>
@@ -1421,7 +1422,7 @@
           <a:p>
             <a:fld id="{844FB9E1-4EC7-AC49-AF29-CA6F74E5D15F}" type="datetimeFigureOut">
               <a:rPr lang="pt-BR" smtClean="0"/>
-              <a:t>24/02/2024</a:t>
+              <a:t>29/02/2024</a:t>
             </a:fld>
             <a:endParaRPr lang="pt-BR"/>
           </a:p>
@@ -1833,7 +1834,7 @@
           <a:p>
             <a:fld id="{844FB9E1-4EC7-AC49-AF29-CA6F74E5D15F}" type="datetimeFigureOut">
               <a:rPr lang="pt-BR" smtClean="0"/>
-              <a:t>24/02/2024</a:t>
+              <a:t>29/02/2024</a:t>
             </a:fld>
             <a:endParaRPr lang="pt-BR"/>
           </a:p>
@@ -1974,7 +1975,7 @@
           <a:p>
             <a:fld id="{844FB9E1-4EC7-AC49-AF29-CA6F74E5D15F}" type="datetimeFigureOut">
               <a:rPr lang="pt-BR" smtClean="0"/>
-              <a:t>24/02/2024</a:t>
+              <a:t>29/02/2024</a:t>
             </a:fld>
             <a:endParaRPr lang="pt-BR"/>
           </a:p>
@@ -2087,7 +2088,7 @@
           <a:p>
             <a:fld id="{844FB9E1-4EC7-AC49-AF29-CA6F74E5D15F}" type="datetimeFigureOut">
               <a:rPr lang="pt-BR" smtClean="0"/>
-              <a:t>24/02/2024</a:t>
+              <a:t>29/02/2024</a:t>
             </a:fld>
             <a:endParaRPr lang="pt-BR"/>
           </a:p>
@@ -2427,7 +2428,7 @@
           <a:p>
             <a:fld id="{844FB9E1-4EC7-AC49-AF29-CA6F74E5D15F}" type="datetimeFigureOut">
               <a:rPr lang="pt-BR" smtClean="0"/>
-              <a:t>24/02/2024</a:t>
+              <a:t>29/02/2024</a:t>
             </a:fld>
             <a:endParaRPr lang="pt-BR"/>
           </a:p>
@@ -2715,7 +2716,7 @@
           <a:p>
             <a:fld id="{844FB9E1-4EC7-AC49-AF29-CA6F74E5D15F}" type="datetimeFigureOut">
               <a:rPr lang="pt-BR" smtClean="0"/>
-              <a:t>24/02/2024</a:t>
+              <a:t>29/02/2024</a:t>
             </a:fld>
             <a:endParaRPr lang="pt-BR"/>
           </a:p>
@@ -2956,7 +2957,7 @@
           <a:p>
             <a:fld id="{844FB9E1-4EC7-AC49-AF29-CA6F74E5D15F}" type="datetimeFigureOut">
               <a:rPr lang="pt-BR" smtClean="0"/>
-              <a:t>24/02/2024</a:t>
+              <a:t>29/02/2024</a:t>
             </a:fld>
             <a:endParaRPr lang="pt-BR"/>
           </a:p>
@@ -7198,6 +7199,658 @@
     <p:extLst>
       <p:ext uri="{BB962C8B-B14F-4D97-AF65-F5344CB8AC3E}">
         <p14:creationId xmlns:p14="http://schemas.microsoft.com/office/powerpoint/2010/main" val="3794177215"/>
+      </p:ext>
+    </p:extLst>
+  </p:cSld>
+  <p:clrMapOvr>
+    <a:masterClrMapping/>
+  </p:clrMapOvr>
+</p:sld>
+</file>
+
+<file path=ppt/slides/slide15.xml><?xml version="1.0" encoding="utf-8"?>
+<p:sld xmlns:a="http://schemas.openxmlformats.org/drawingml/2006/main" xmlns:r="http://schemas.openxmlformats.org/officeDocument/2006/relationships" xmlns:p="http://schemas.openxmlformats.org/presentationml/2006/main">
+  <p:cSld>
+    <p:bg>
+      <p:bgPr>
+        <a:solidFill>
+          <a:schemeClr val="bg1"/>
+        </a:solidFill>
+        <a:effectLst/>
+      </p:bgPr>
+    </p:bg>
+    <p:spTree>
+      <p:nvGrpSpPr>
+        <p:cNvPr id="1" name=""/>
+        <p:cNvGrpSpPr/>
+        <p:nvPr/>
+      </p:nvGrpSpPr>
+      <p:grpSpPr>
+        <a:xfrm>
+          <a:off x="0" y="0"/>
+          <a:ext cx="0" cy="0"/>
+          <a:chOff x="0" y="0"/>
+          <a:chExt cx="0" cy="0"/>
+        </a:xfrm>
+      </p:grpSpPr>
+      <p:sp useBgFill="1">
+        <p:nvSpPr>
+          <p:cNvPr id="8" name="Rectangle 7">
+            <a:extLst>
+              <a:ext uri="{FF2B5EF4-FFF2-40B4-BE49-F238E27FC236}">
+                <a16:creationId xmlns:a16="http://schemas.microsoft.com/office/drawing/2014/main" id="{907EF6B7-1338-4443-8C46-6A318D952DFD}"/>
+              </a:ext>
+              <a:ext uri="{C183D7F6-B498-43B3-948B-1728B52AA6E4}">
+                <adec:decorative xmlns:adec="http://schemas.microsoft.com/office/drawing/2017/decorative" val="1"/>
+              </a:ext>
+            </a:extLst>
+          </p:cNvPr>
+          <p:cNvSpPr>
+            <a:spLocks noGrp="1" noRot="1" noChangeAspect="1" noMove="1" noResize="1" noEditPoints="1" noAdjustHandles="1" noChangeArrowheads="1" noChangeShapeType="1" noTextEdit="1"/>
+          </p:cNvSpPr>
+          <p:nvPr>
+            <p:extLst>
+              <p:ext uri="{386F3935-93C4-4BCD-93E2-E3B085C9AB24}">
+                <p16:designElem xmlns:p16="http://schemas.microsoft.com/office/powerpoint/2015/main" val="1"/>
+              </p:ext>
+            </p:extLst>
+          </p:nvPr>
+        </p:nvSpPr>
+        <p:spPr>
+          <a:xfrm>
+            <a:off x="3048" y="0"/>
+            <a:ext cx="12188952" cy="6858000"/>
+          </a:xfrm>
+          <a:prstGeom prst="rect">
+            <a:avLst/>
+          </a:prstGeom>
+          <a:ln>
+            <a:noFill/>
+          </a:ln>
+        </p:spPr>
+        <p:style>
+          <a:lnRef idx="2">
+            <a:schemeClr val="accent1">
+              <a:shade val="50000"/>
+            </a:schemeClr>
+          </a:lnRef>
+          <a:fillRef idx="1">
+            <a:schemeClr val="accent1"/>
+          </a:fillRef>
+          <a:effectRef idx="0">
+            <a:schemeClr val="accent1"/>
+          </a:effectRef>
+          <a:fontRef idx="minor">
+            <a:schemeClr val="lt1"/>
+          </a:fontRef>
+        </p:style>
+        <p:txBody>
+          <a:bodyPr rtlCol="0" anchor="ctr"/>
+          <a:lstStyle/>
+          <a:p>
+            <a:pPr algn="ctr"/>
+            <a:endParaRPr lang="en-US"/>
+          </a:p>
+        </p:txBody>
+      </p:sp>
+      <p:sp>
+        <p:nvSpPr>
+          <p:cNvPr id="10" name="Freeform: Shape 9">
+            <a:extLst>
+              <a:ext uri="{FF2B5EF4-FFF2-40B4-BE49-F238E27FC236}">
+                <a16:creationId xmlns:a16="http://schemas.microsoft.com/office/drawing/2014/main" id="{DAAE4CDD-124C-4DCF-9584-B6033B545DD5}"/>
+              </a:ext>
+              <a:ext uri="{C183D7F6-B498-43B3-948B-1728B52AA6E4}">
+                <adec:decorative xmlns:adec="http://schemas.microsoft.com/office/drawing/2017/decorative" val="1"/>
+              </a:ext>
+            </a:extLst>
+          </p:cNvPr>
+          <p:cNvSpPr>
+            <a:spLocks noGrp="1" noRot="1" noChangeAspect="1" noMove="1" noResize="1" noEditPoints="1" noAdjustHandles="1" noChangeArrowheads="1" noChangeShapeType="1" noTextEdit="1"/>
+          </p:cNvSpPr>
+          <p:nvPr>
+            <p:extLst>
+              <p:ext uri="{386F3935-93C4-4BCD-93E2-E3B085C9AB24}">
+                <p16:designElem xmlns:p16="http://schemas.microsoft.com/office/powerpoint/2015/main" val="1"/>
+              </p:ext>
+            </p:extLst>
+          </p:nvPr>
+        </p:nvSpPr>
+        <p:spPr>
+          <a:xfrm>
+            <a:off x="1" y="0"/>
+            <a:ext cx="4167271" cy="6858000"/>
+          </a:xfrm>
+          <a:custGeom>
+            <a:avLst/>
+            <a:gdLst>
+              <a:gd name="connsiteX0" fmla="*/ 0 w 4167271"/>
+              <a:gd name="connsiteY0" fmla="*/ 0 h 6858000"/>
+              <a:gd name="connsiteX1" fmla="*/ 2259550 w 4167271"/>
+              <a:gd name="connsiteY1" fmla="*/ 0 h 6858000"/>
+              <a:gd name="connsiteX2" fmla="*/ 2387803 w 4167271"/>
+              <a:gd name="connsiteY2" fmla="*/ 82222 h 6858000"/>
+              <a:gd name="connsiteX3" fmla="*/ 4167271 w 4167271"/>
+              <a:gd name="connsiteY3" fmla="*/ 3429000 h 6858000"/>
+              <a:gd name="connsiteX4" fmla="*/ 2387803 w 4167271"/>
+              <a:gd name="connsiteY4" fmla="*/ 6775779 h 6858000"/>
+              <a:gd name="connsiteX5" fmla="*/ 2259550 w 4167271"/>
+              <a:gd name="connsiteY5" fmla="*/ 6858000 h 6858000"/>
+              <a:gd name="connsiteX6" fmla="*/ 0 w 4167271"/>
+              <a:gd name="connsiteY6" fmla="*/ 6858000 h 6858000"/>
+            </a:gdLst>
+            <a:ahLst/>
+            <a:cxnLst>
+              <a:cxn ang="0">
+                <a:pos x="connsiteX0" y="connsiteY0"/>
+              </a:cxn>
+              <a:cxn ang="0">
+                <a:pos x="connsiteX1" y="connsiteY1"/>
+              </a:cxn>
+              <a:cxn ang="0">
+                <a:pos x="connsiteX2" y="connsiteY2"/>
+              </a:cxn>
+              <a:cxn ang="0">
+                <a:pos x="connsiteX3" y="connsiteY3"/>
+              </a:cxn>
+              <a:cxn ang="0">
+                <a:pos x="connsiteX4" y="connsiteY4"/>
+              </a:cxn>
+              <a:cxn ang="0">
+                <a:pos x="connsiteX5" y="connsiteY5"/>
+              </a:cxn>
+              <a:cxn ang="0">
+                <a:pos x="connsiteX6" y="connsiteY6"/>
+              </a:cxn>
+            </a:cxnLst>
+            <a:rect l="l" t="t" r="r" b="b"/>
+            <a:pathLst>
+              <a:path w="4167271" h="6858000">
+                <a:moveTo>
+                  <a:pt x="0" y="0"/>
+                </a:moveTo>
+                <a:lnTo>
+                  <a:pt x="2259550" y="0"/>
+                </a:lnTo>
+                <a:lnTo>
+                  <a:pt x="2387803" y="82222"/>
+                </a:lnTo>
+                <a:cubicBezTo>
+                  <a:pt x="3461407" y="807534"/>
+                  <a:pt x="4167271" y="2035835"/>
+                  <a:pt x="4167271" y="3429000"/>
+                </a:cubicBezTo>
+                <a:cubicBezTo>
+                  <a:pt x="4167271" y="4822165"/>
+                  <a:pt x="3461407" y="6050467"/>
+                  <a:pt x="2387803" y="6775779"/>
+                </a:cubicBezTo>
+                <a:lnTo>
+                  <a:pt x="2259550" y="6858000"/>
+                </a:lnTo>
+                <a:lnTo>
+                  <a:pt x="0" y="6858000"/>
+                </a:lnTo>
+                <a:close/>
+              </a:path>
+            </a:pathLst>
+          </a:custGeom>
+          <a:solidFill>
+            <a:schemeClr val="accent2"/>
+          </a:solidFill>
+          <a:ln>
+            <a:noFill/>
+          </a:ln>
+        </p:spPr>
+        <p:style>
+          <a:lnRef idx="2">
+            <a:schemeClr val="accent1">
+              <a:shade val="50000"/>
+            </a:schemeClr>
+          </a:lnRef>
+          <a:fillRef idx="1">
+            <a:schemeClr val="accent1"/>
+          </a:fillRef>
+          <a:effectRef idx="0">
+            <a:schemeClr val="accent1"/>
+          </a:effectRef>
+          <a:fontRef idx="minor">
+            <a:schemeClr val="lt1"/>
+          </a:fontRef>
+        </p:style>
+        <p:txBody>
+          <a:bodyPr rtlCol="0" anchor="ctr"/>
+          <a:lstStyle/>
+          <a:p>
+            <a:pPr algn="ctr"/>
+            <a:endParaRPr lang="en-US"/>
+          </a:p>
+        </p:txBody>
+      </p:sp>
+      <p:sp>
+        <p:nvSpPr>
+          <p:cNvPr id="2" name="Título 1">
+            <a:extLst>
+              <a:ext uri="{FF2B5EF4-FFF2-40B4-BE49-F238E27FC236}">
+                <a16:creationId xmlns:a16="http://schemas.microsoft.com/office/drawing/2014/main" id="{A3989186-0E8B-13B4-BB6B-AE73AE4CE94D}"/>
+              </a:ext>
+            </a:extLst>
+          </p:cNvPr>
+          <p:cNvSpPr>
+            <a:spLocks noGrp="1"/>
+          </p:cNvSpPr>
+          <p:nvPr>
+            <p:ph type="title"/>
+          </p:nvPr>
+        </p:nvSpPr>
+        <p:spPr>
+          <a:xfrm>
+            <a:off x="163902" y="1153572"/>
+            <a:ext cx="3723332" cy="4461163"/>
+          </a:xfrm>
+        </p:spPr>
+        <p:txBody>
+          <a:bodyPr>
+            <a:normAutofit/>
+          </a:bodyPr>
+          <a:lstStyle/>
+          <a:p>
+            <a:r>
+              <a:rPr lang="pt-BR" b="1" dirty="0">
+                <a:solidFill>
+                  <a:schemeClr val="bg1"/>
+                </a:solidFill>
+              </a:rPr>
+              <a:t>Exercícios:</a:t>
+            </a:r>
+            <a:br>
+              <a:rPr lang="pt-BR" b="1" dirty="0">
+                <a:solidFill>
+                  <a:schemeClr val="bg1"/>
+                </a:solidFill>
+              </a:rPr>
+            </a:br>
+            <a:r>
+              <a:rPr lang="pt-BR" b="1" dirty="0">
+                <a:solidFill>
+                  <a:srgbClr val="FFFF00"/>
+                </a:solidFill>
+              </a:rPr>
+              <a:t>TypeScript</a:t>
+            </a:r>
+            <a:endParaRPr lang="pt-BR" dirty="0">
+              <a:solidFill>
+                <a:schemeClr val="bg1"/>
+              </a:solidFill>
+            </a:endParaRPr>
+          </a:p>
+        </p:txBody>
+      </p:sp>
+      <p:sp>
+        <p:nvSpPr>
+          <p:cNvPr id="12" name="Arc 11">
+            <a:extLst>
+              <a:ext uri="{FF2B5EF4-FFF2-40B4-BE49-F238E27FC236}">
+                <a16:creationId xmlns:a16="http://schemas.microsoft.com/office/drawing/2014/main" id="{081E4A58-353D-44AE-B2FC-2A74E2E400F7}"/>
+              </a:ext>
+              <a:ext uri="{C183D7F6-B498-43B3-948B-1728B52AA6E4}">
+                <adec:decorative xmlns:adec="http://schemas.microsoft.com/office/drawing/2017/decorative" val="1"/>
+              </a:ext>
+            </a:extLst>
+          </p:cNvPr>
+          <p:cNvSpPr>
+            <a:spLocks noGrp="1" noRot="1" noChangeAspect="1" noMove="1" noResize="1" noEditPoints="1" noAdjustHandles="1" noChangeArrowheads="1" noChangeShapeType="1" noTextEdit="1"/>
+          </p:cNvSpPr>
+          <p:nvPr>
+            <p:extLst>
+              <p:ext uri="{386F3935-93C4-4BCD-93E2-E3B085C9AB24}">
+                <p16:designElem xmlns:p16="http://schemas.microsoft.com/office/powerpoint/2015/main" val="1"/>
+              </p:ext>
+            </p:extLst>
+          </p:nvPr>
+        </p:nvSpPr>
+        <p:spPr>
+          <a:xfrm flipV="1">
+            <a:off x="7550402" y="2455479"/>
+            <a:ext cx="4083433" cy="4083433"/>
+          </a:xfrm>
+          <a:prstGeom prst="arc">
+            <a:avLst/>
+          </a:prstGeom>
+          <a:ln w="127000" cap="rnd">
+            <a:solidFill>
+              <a:schemeClr val="accent4"/>
+            </a:solidFill>
+            <a:prstDash val="dash"/>
+          </a:ln>
+        </p:spPr>
+        <p:style>
+          <a:lnRef idx="1">
+            <a:schemeClr val="accent1"/>
+          </a:lnRef>
+          <a:fillRef idx="0">
+            <a:schemeClr val="accent1"/>
+          </a:fillRef>
+          <a:effectRef idx="0">
+            <a:schemeClr val="accent1"/>
+          </a:effectRef>
+          <a:fontRef idx="minor">
+            <a:schemeClr val="tx1"/>
+          </a:fontRef>
+        </p:style>
+        <p:txBody>
+          <a:bodyPr rtlCol="0" anchor="ctr"/>
+          <a:lstStyle/>
+          <a:p>
+            <a:pPr algn="ctr"/>
+            <a:endParaRPr lang="en-US" dirty="0"/>
+          </a:p>
+        </p:txBody>
+      </p:sp>
+      <p:pic>
+        <p:nvPicPr>
+          <p:cNvPr id="4" name="Imagem 3" descr="Logotipo, nome da empresa&#10;&#10;Descrição gerada automaticamente">
+            <a:extLst>
+              <a:ext uri="{FF2B5EF4-FFF2-40B4-BE49-F238E27FC236}">
+                <a16:creationId xmlns:a16="http://schemas.microsoft.com/office/drawing/2014/main" id="{7094D36D-C578-1FEE-CD11-3623D976B2AC}"/>
+              </a:ext>
+            </a:extLst>
+          </p:cNvPr>
+          <p:cNvPicPr>
+            <a:picLocks noChangeAspect="1"/>
+          </p:cNvPicPr>
+          <p:nvPr/>
+        </p:nvPicPr>
+        <p:blipFill>
+          <a:blip r:embed="rId2"/>
+          <a:stretch>
+            <a:fillRect/>
+          </a:stretch>
+        </p:blipFill>
+        <p:spPr>
+          <a:xfrm>
+            <a:off x="11099925" y="5824981"/>
+            <a:ext cx="1065914" cy="1065914"/>
+          </a:xfrm>
+          <a:custGeom>
+            <a:avLst/>
+            <a:gdLst/>
+            <a:ahLst/>
+            <a:cxnLst/>
+            <a:rect l="l" t="t" r="r" b="b"/>
+            <a:pathLst>
+              <a:path w="2833631" h="2677010">
+                <a:moveTo>
+                  <a:pt x="49418" y="0"/>
+                </a:moveTo>
+                <a:lnTo>
+                  <a:pt x="2784213" y="0"/>
+                </a:lnTo>
+                <a:cubicBezTo>
+                  <a:pt x="2811506" y="0"/>
+                  <a:pt x="2833631" y="22125"/>
+                  <a:pt x="2833631" y="49418"/>
+                </a:cubicBezTo>
+                <a:lnTo>
+                  <a:pt x="2833631" y="2627592"/>
+                </a:lnTo>
+                <a:cubicBezTo>
+                  <a:pt x="2833631" y="2654885"/>
+                  <a:pt x="2811506" y="2677010"/>
+                  <a:pt x="2784213" y="2677010"/>
+                </a:cubicBezTo>
+                <a:lnTo>
+                  <a:pt x="49418" y="2677010"/>
+                </a:lnTo>
+                <a:cubicBezTo>
+                  <a:pt x="22125" y="2677010"/>
+                  <a:pt x="0" y="2654885"/>
+                  <a:pt x="0" y="2627592"/>
+                </a:cubicBezTo>
+                <a:lnTo>
+                  <a:pt x="0" y="49418"/>
+                </a:lnTo>
+                <a:cubicBezTo>
+                  <a:pt x="0" y="22125"/>
+                  <a:pt x="22125" y="0"/>
+                  <a:pt x="49418" y="0"/>
+                </a:cubicBezTo>
+                <a:close/>
+              </a:path>
+            </a:pathLst>
+          </a:custGeom>
+        </p:spPr>
+      </p:pic>
+      <p:sp>
+        <p:nvSpPr>
+          <p:cNvPr id="7" name="Espaço Reservado para Conteúdo 2">
+            <a:extLst>
+              <a:ext uri="{FF2B5EF4-FFF2-40B4-BE49-F238E27FC236}">
+                <a16:creationId xmlns:a16="http://schemas.microsoft.com/office/drawing/2014/main" id="{91E5336C-9C44-38D4-A645-837FD4FF2317}"/>
+              </a:ext>
+            </a:extLst>
+          </p:cNvPr>
+          <p:cNvSpPr>
+            <a:spLocks noGrp="1"/>
+          </p:cNvSpPr>
+          <p:nvPr>
+            <p:ph idx="1"/>
+          </p:nvPr>
+        </p:nvSpPr>
+        <p:spPr>
+          <a:xfrm>
+            <a:off x="4328126" y="319088"/>
+            <a:ext cx="7025674" cy="6439064"/>
+          </a:xfrm>
+        </p:spPr>
+        <p:txBody>
+          <a:bodyPr>
+            <a:noAutofit/>
+          </a:bodyPr>
+          <a:lstStyle/>
+          <a:p>
+            <a:pPr marL="457200" indent="-457200">
+              <a:buFont typeface="+mj-lt"/>
+              <a:buAutoNum type="arabicPeriod"/>
+            </a:pPr>
+            <a:r>
+              <a:rPr lang="pt-BR" sz="1800" dirty="0"/>
+              <a:t>Copiar todos os arquivos da pasta </a:t>
+            </a:r>
+            <a:r>
+              <a:rPr lang="pt-BR" sz="1800" dirty="0" err="1"/>
+              <a:t>ArquivosConf</a:t>
+            </a:r>
+            <a:r>
+              <a:rPr lang="pt-BR" sz="1800" dirty="0"/>
+              <a:t> para a pasta onde estará o código fonte.</a:t>
+            </a:r>
+            <a:endParaRPr lang="pt-BR" sz="1400" dirty="0"/>
+          </a:p>
+          <a:p>
+            <a:pPr marL="0" indent="0">
+              <a:buNone/>
+            </a:pPr>
+            <a:endParaRPr lang="pt-BR" sz="1800" dirty="0"/>
+          </a:p>
+          <a:p>
+            <a:pPr marL="457200" indent="-457200">
+              <a:buFont typeface="+mj-lt"/>
+              <a:buAutoNum type="arabicPeriod"/>
+            </a:pPr>
+            <a:r>
+              <a:rPr lang="pt-BR" sz="1800" dirty="0"/>
+              <a:t>Inserir os comandos:</a:t>
+            </a:r>
+          </a:p>
+          <a:p>
+            <a:pPr marL="0" indent="0">
+              <a:buNone/>
+            </a:pPr>
+            <a:endParaRPr lang="pt-BR" sz="1800" dirty="0"/>
+          </a:p>
+          <a:p>
+            <a:pPr marL="0" indent="0">
+              <a:buNone/>
+            </a:pPr>
+            <a:r>
+              <a:rPr lang="pt-BR" sz="1800" dirty="0" err="1"/>
+              <a:t>npm</a:t>
+            </a:r>
+            <a:r>
+              <a:rPr lang="pt-BR" sz="1800" dirty="0"/>
+              <a:t> </a:t>
+            </a:r>
+            <a:r>
+              <a:rPr lang="pt-BR" sz="1800" dirty="0" err="1"/>
+              <a:t>install</a:t>
+            </a:r>
+            <a:r>
+              <a:rPr lang="pt-BR" sz="1800" dirty="0"/>
+              <a:t> -</a:t>
+            </a:r>
+            <a:r>
+              <a:rPr lang="pt-BR" sz="1800" dirty="0" err="1"/>
+              <a:t>g</a:t>
+            </a:r>
+            <a:r>
+              <a:rPr lang="pt-BR" sz="1800" dirty="0"/>
+              <a:t> </a:t>
+            </a:r>
+            <a:r>
+              <a:rPr lang="pt-BR" sz="1800" dirty="0" err="1"/>
+              <a:t>typescript</a:t>
+            </a:r>
+            <a:endParaRPr lang="pt-BR" sz="1800" dirty="0"/>
+          </a:p>
+          <a:p>
+            <a:pPr marL="0" indent="0">
+              <a:buNone/>
+            </a:pPr>
+            <a:r>
+              <a:rPr lang="pt-BR" sz="2000" dirty="0" err="1"/>
+              <a:t>npm</a:t>
+            </a:r>
+            <a:r>
+              <a:rPr lang="pt-BR" sz="2000" dirty="0"/>
+              <a:t> </a:t>
+            </a:r>
+            <a:r>
+              <a:rPr lang="pt-BR" sz="2000" dirty="0" err="1"/>
+              <a:t>install</a:t>
+            </a:r>
+            <a:r>
+              <a:rPr lang="pt-BR" sz="2000" dirty="0"/>
+              <a:t> --</a:t>
+            </a:r>
+            <a:r>
+              <a:rPr lang="pt-BR" sz="2000" dirty="0" err="1"/>
+              <a:t>save-dev</a:t>
+            </a:r>
+            <a:r>
+              <a:rPr lang="pt-BR" sz="2000" dirty="0"/>
+              <a:t> </a:t>
+            </a:r>
+            <a:r>
+              <a:rPr lang="pt-BR" sz="2000" dirty="0" err="1"/>
+              <a:t>ts</a:t>
+            </a:r>
+            <a:r>
+              <a:rPr lang="pt-BR" sz="2000" dirty="0"/>
+              <a:t>-node</a:t>
+            </a:r>
+          </a:p>
+          <a:p>
+            <a:pPr marL="0" indent="0">
+              <a:buNone/>
+            </a:pPr>
+            <a:r>
+              <a:rPr lang="pt-BR" sz="1800" dirty="0" err="1"/>
+              <a:t>npm</a:t>
+            </a:r>
+            <a:r>
+              <a:rPr lang="pt-BR" sz="1800" dirty="0"/>
+              <a:t> </a:t>
+            </a:r>
+            <a:r>
+              <a:rPr lang="pt-BR" sz="1800" dirty="0" err="1"/>
+              <a:t>install</a:t>
+            </a:r>
+            <a:r>
+              <a:rPr lang="pt-BR" sz="1800" dirty="0"/>
+              <a:t> --</a:t>
+            </a:r>
+            <a:r>
+              <a:rPr lang="pt-BR" sz="1800" dirty="0" err="1"/>
+              <a:t>save-dev</a:t>
+            </a:r>
+            <a:r>
+              <a:rPr lang="pt-BR" sz="1800" dirty="0"/>
+              <a:t> </a:t>
+            </a:r>
+            <a:r>
+              <a:rPr lang="pt-BR" sz="1800" dirty="0" err="1"/>
+              <a:t>typescript</a:t>
+            </a:r>
+            <a:r>
+              <a:rPr lang="pt-BR" sz="1800" dirty="0"/>
+              <a:t> </a:t>
+            </a:r>
+          </a:p>
+          <a:p>
+            <a:pPr marL="0" indent="0">
+              <a:buNone/>
+            </a:pPr>
+            <a:r>
+              <a:rPr lang="pt-BR" sz="1800" dirty="0" err="1"/>
+              <a:t>npm</a:t>
+            </a:r>
+            <a:r>
+              <a:rPr lang="pt-BR" sz="1800" dirty="0"/>
+              <a:t> </a:t>
+            </a:r>
+            <a:r>
+              <a:rPr lang="pt-BR" sz="1800" dirty="0" err="1"/>
+              <a:t>install</a:t>
+            </a:r>
+            <a:r>
+              <a:rPr lang="pt-BR" sz="1800" dirty="0"/>
+              <a:t> -</a:t>
+            </a:r>
+            <a:r>
+              <a:rPr lang="pt-BR" sz="1800" dirty="0" err="1"/>
+              <a:t>g</a:t>
+            </a:r>
+            <a:r>
+              <a:rPr lang="pt-BR" sz="1800" dirty="0"/>
+              <a:t> @</a:t>
+            </a:r>
+            <a:r>
+              <a:rPr lang="pt-BR" sz="1800" dirty="0" err="1"/>
+              <a:t>nestjs</a:t>
+            </a:r>
+            <a:r>
+              <a:rPr lang="pt-BR" sz="1800" dirty="0"/>
+              <a:t>/</a:t>
+            </a:r>
+            <a:r>
+              <a:rPr lang="pt-BR" sz="1800" dirty="0" err="1"/>
+              <a:t>cli</a:t>
+            </a:r>
+            <a:endParaRPr lang="pt-BR" sz="1800" dirty="0"/>
+          </a:p>
+          <a:p>
+            <a:pPr marL="457200" lvl="1" indent="0">
+              <a:buNone/>
+            </a:pPr>
+            <a:endParaRPr lang="pt-BR" sz="1600" dirty="0"/>
+          </a:p>
+        </p:txBody>
+      </p:sp>
+    </p:spTree>
+    <p:extLst>
+      <p:ext uri="{BB962C8B-B14F-4D97-AF65-F5344CB8AC3E}">
+        <p14:creationId xmlns:p14="http://schemas.microsoft.com/office/powerpoint/2010/main" val="2854653681"/>
       </p:ext>
     </p:extLst>
   </p:cSld>
